--- a/project-one.pptx
+++ b/project-one.pptx
@@ -223,7 +223,7 @@
           <a:p>
             <a:fld id="{B41ED7B9-0E4B-6C49-B54B-B5E41BCD0ADB}" type="datetimeFigureOut">
               <a:rPr lang="en-US" smtClean="0"/>
-              <a:t>2/13/2024</a:t>
+              <a:t>2/14/2024</a:t>
             </a:fld>
             <a:endParaRPr lang="en-US"/>
           </a:p>
@@ -1110,7 +1110,7 @@
             <a:fld id="{87DE6118-2437-4B30-8E3C-4D2BE6020583}" type="datetimeFigureOut">
               <a:rPr lang="en-US" dirty="0"/>
               <a:pPr/>
-              <a:t>2/13/2024</a:t>
+              <a:t>2/14/2024</a:t>
             </a:fld>
             <a:endParaRPr lang="en-US" dirty="0"/>
           </a:p>
@@ -1436,7 +1436,7 @@
           <a:p>
             <a:fld id="{87DE6118-2437-4B30-8E3C-4D2BE6020583}" type="datetimeFigureOut">
               <a:rPr lang="en-US" dirty="0"/>
-              <a:t>2/13/2024</a:t>
+              <a:t>2/14/2024</a:t>
             </a:fld>
             <a:endParaRPr lang="en-US" dirty="0"/>
           </a:p>
@@ -1611,7 +1611,7 @@
           <a:p>
             <a:fld id="{87DE6118-2437-4B30-8E3C-4D2BE6020583}" type="datetimeFigureOut">
               <a:rPr lang="en-US" dirty="0"/>
-              <a:t>2/13/2024</a:t>
+              <a:t>2/14/2024</a:t>
             </a:fld>
             <a:endParaRPr lang="en-US" dirty="0"/>
           </a:p>
@@ -1776,7 +1776,7 @@
           <a:p>
             <a:fld id="{87DE6118-2437-4B30-8E3C-4D2BE6020583}" type="datetimeFigureOut">
               <a:rPr lang="en-US" dirty="0"/>
-              <a:t>2/13/2024</a:t>
+              <a:t>2/14/2024</a:t>
             </a:fld>
             <a:endParaRPr lang="en-US" dirty="0"/>
           </a:p>
@@ -2049,7 +2049,7 @@
             <a:fld id="{87DE6118-2437-4B30-8E3C-4D2BE6020583}" type="datetimeFigureOut">
               <a:rPr lang="en-US" dirty="0"/>
               <a:pPr/>
-              <a:t>2/13/2024</a:t>
+              <a:t>2/14/2024</a:t>
             </a:fld>
             <a:endParaRPr lang="en-US" dirty="0"/>
           </a:p>
@@ -2439,7 +2439,7 @@
           <a:p>
             <a:fld id="{87DE6118-2437-4B30-8E3C-4D2BE6020583}" type="datetimeFigureOut">
               <a:rPr lang="en-US" dirty="0"/>
-              <a:t>2/13/2024</a:t>
+              <a:t>2/14/2024</a:t>
             </a:fld>
             <a:endParaRPr lang="en-US" dirty="0"/>
           </a:p>
@@ -2911,7 +2911,7 @@
           <a:p>
             <a:fld id="{87DE6118-2437-4B30-8E3C-4D2BE6020583}" type="datetimeFigureOut">
               <a:rPr lang="en-US" dirty="0"/>
-              <a:t>2/13/2024</a:t>
+              <a:t>2/14/2024</a:t>
             </a:fld>
             <a:endParaRPr lang="en-US" dirty="0"/>
           </a:p>
@@ -3024,7 +3024,7 @@
           <a:p>
             <a:fld id="{87DE6118-2437-4B30-8E3C-4D2BE6020583}" type="datetimeFigureOut">
               <a:rPr lang="en-US" dirty="0"/>
-              <a:t>2/13/2024</a:t>
+              <a:t>2/14/2024</a:t>
             </a:fld>
             <a:endParaRPr lang="en-US" dirty="0"/>
           </a:p>
@@ -3114,7 +3114,7 @@
           <a:p>
             <a:fld id="{87DE6118-2437-4B30-8E3C-4D2BE6020583}" type="datetimeFigureOut">
               <a:rPr lang="en-US" dirty="0"/>
-              <a:t>2/13/2024</a:t>
+              <a:t>2/14/2024</a:t>
             </a:fld>
             <a:endParaRPr lang="en-US" dirty="0"/>
           </a:p>
@@ -3456,7 +3456,7 @@
             <a:fld id="{87DE6118-2437-4B30-8E3C-4D2BE6020583}" type="datetimeFigureOut">
               <a:rPr lang="en-US" dirty="0"/>
               <a:pPr/>
-              <a:t>2/13/2024</a:t>
+              <a:t>2/14/2024</a:t>
             </a:fld>
             <a:endParaRPr lang="en-US" dirty="0"/>
           </a:p>
@@ -3841,7 +3841,7 @@
             <a:fld id="{87DE6118-2437-4B30-8E3C-4D2BE6020583}" type="datetimeFigureOut">
               <a:rPr lang="en-US" dirty="0"/>
               <a:pPr/>
-              <a:t>2/13/2024</a:t>
+              <a:t>2/14/2024</a:t>
             </a:fld>
             <a:endParaRPr lang="en-US" dirty="0"/>
           </a:p>
@@ -4116,7 +4116,7 @@
             <a:fld id="{87DE6118-2437-4B30-8E3C-4D2BE6020583}" type="datetimeFigureOut">
               <a:rPr lang="en-US" dirty="0"/>
               <a:pPr/>
-              <a:t>2/13/2024</a:t>
+              <a:t>2/14/2024</a:t>
             </a:fld>
             <a:endParaRPr lang="en-US" dirty="0"/>
           </a:p>
@@ -5271,6 +5271,14 @@
 <file path=ppt/slides/slide13.xml><?xml version="1.0" encoding="utf-8"?>
 <p:sld xmlns:a="http://schemas.openxmlformats.org/drawingml/2006/main" xmlns:r="http://schemas.openxmlformats.org/officeDocument/2006/relationships" xmlns:p="http://schemas.openxmlformats.org/presentationml/2006/main">
   <p:cSld>
+    <p:bg>
+      <p:bgPr>
+        <a:solidFill>
+          <a:schemeClr val="bg2"/>
+        </a:solidFill>
+        <a:effectLst/>
+      </p:bgPr>
+    </p:bg>
     <p:spTree>
       <p:nvGrpSpPr>
         <p:cNvPr id="1" name=""/>
@@ -5304,15 +5312,17 @@
         <p:spPr>
           <a:xfrm>
             <a:off x="1371600" y="685800"/>
-            <a:ext cx="9601200" cy="705118"/>
-          </a:xfrm>
-        </p:spPr>
-        <p:txBody>
-          <a:bodyPr/>
+            <a:ext cx="3282695" cy="1485900"/>
+          </a:xfrm>
+        </p:spPr>
+        <p:txBody>
+          <a:bodyPr>
+            <a:normAutofit/>
+          </a:bodyPr>
           <a:lstStyle/>
           <a:p>
             <a:r>
-              <a:rPr lang="en-US" dirty="0"/>
+              <a:rPr lang="en-US" sz="3400"/>
               <a:t>Generation with Highest Suicide Rate</a:t>
             </a:r>
           </a:p>
@@ -5336,12 +5346,14 @@
         </p:nvSpPr>
         <p:spPr>
           <a:xfrm>
-            <a:off x="1371600" y="1390918"/>
-            <a:ext cx="9601200" cy="4476482"/>
-          </a:xfrm>
-        </p:spPr>
-        <p:txBody>
-          <a:bodyPr/>
+            <a:off x="1371600" y="2286000"/>
+            <a:ext cx="3282694" cy="3581400"/>
+          </a:xfrm>
+        </p:spPr>
+        <p:txBody>
+          <a:bodyPr>
+            <a:normAutofit/>
+          </a:bodyPr>
           <a:lstStyle/>
           <a:p>
             <a:r>
@@ -5372,6 +5384,36 @@
           </a:p>
         </p:txBody>
       </p:sp>
+      <p:pic>
+        <p:nvPicPr>
+          <p:cNvPr id="5" name="Picture 4" descr="A graph with colored lines&#10;&#10;Description automatically generated">
+            <a:extLst>
+              <a:ext uri="{FF2B5EF4-FFF2-40B4-BE49-F238E27FC236}">
+                <a16:creationId xmlns:a16="http://schemas.microsoft.com/office/drawing/2014/main" id="{DA009AFF-D1D6-8CEB-BFC2-50B86487F4BD}"/>
+              </a:ext>
+            </a:extLst>
+          </p:cNvPr>
+          <p:cNvPicPr>
+            <a:picLocks noChangeAspect="1"/>
+          </p:cNvPicPr>
+          <p:nvPr/>
+        </p:nvPicPr>
+        <p:blipFill>
+          <a:blip r:embed="rId2"/>
+          <a:stretch>
+            <a:fillRect/>
+          </a:stretch>
+        </p:blipFill>
+        <p:spPr>
+          <a:xfrm>
+            <a:off x="5031467" y="1525664"/>
+            <a:ext cx="6517065" cy="3486630"/>
+          </a:xfrm>
+          <a:prstGeom prst="rect">
+            <a:avLst/>
+          </a:prstGeom>
+        </p:spPr>
+      </p:pic>
     </p:spTree>
     <p:extLst>
       <p:ext uri="{BB962C8B-B14F-4D97-AF65-F5344CB8AC3E}">
